--- a/An attack tree and strides.pptx
+++ b/An attack tree and strides.pptx
@@ -3057,7 +3057,7 @@
         </p:blipFill>
         <p:spPr>
           <a:xfrm>
-            <a:off x="914401" y="-1248937"/>
+            <a:off x="925553" y="-1260089"/>
             <a:ext cx="7772813" cy="10059121"/>
           </a:xfrm>
           <a:prstGeom prst="rect">
